--- a/samples/pptx/sample.pptx
+++ b/samples/pptx/sample.pptx
@@ -16,7 +16,7 @@
     <p:sldId id="264" r:id="rId14"/>
     <p:sldId id="265" r:id="rId15"/>
   </p:sldIdLst>
-  <p:sldSz cx="9144000" cy="6858000" type="screen4x3"/>
+  <p:sldSz cx="9144000" cy="6858000"/>
   <p:notesSz cx="6858000" cy="9144000"/>
   <p:defaultTextStyle>
     <a:defPPr>
